--- a/presentations/jasmin-workshop-overview.pptx
+++ b/presentations/jasmin-workshop-overview.pptx
@@ -217,7 +217,7 @@
           <a:p>
             <a:fld id="{0A05A54A-7050-AA43-B296-91EBEA7AE3FC}" type="datetimeFigureOut">
               <a:rPr lang="en-US" smtClean="0"/>
-              <a:t>6/26/19</a:t>
+              <a:t>7/2/19</a:t>
             </a:fld>
             <a:endParaRPr lang="en-US"/>
           </a:p>
@@ -1189,7 +1189,7 @@
             <a:fld id="{646265C4-D3EB-4033-9F2F-7AE1FCA20C43}" type="datetimeFigureOut">
               <a:rPr lang="en-GB" smtClean="0"/>
               <a:pPr/>
-              <a:t>26/06/2019</a:t>
+              <a:t>02/07/2019</a:t>
             </a:fld>
             <a:endParaRPr lang="en-GB" dirty="0"/>
           </a:p>
@@ -1479,7 +1479,7 @@
             <a:fld id="{646265C4-D3EB-4033-9F2F-7AE1FCA20C43}" type="datetimeFigureOut">
               <a:rPr lang="en-GB" smtClean="0"/>
               <a:pPr/>
-              <a:t>26/06/2019</a:t>
+              <a:t>02/07/2019</a:t>
             </a:fld>
             <a:endParaRPr lang="en-GB" dirty="0"/>
           </a:p>
@@ -1718,7 +1718,7 @@
             <a:fld id="{646265C4-D3EB-4033-9F2F-7AE1FCA20C43}" type="datetimeFigureOut">
               <a:rPr lang="en-GB" smtClean="0"/>
               <a:pPr/>
-              <a:t>26/06/2019</a:t>
+              <a:t>02/07/2019</a:t>
             </a:fld>
             <a:endParaRPr lang="en-GB" dirty="0"/>
           </a:p>
@@ -22143,8 +22143,12 @@
           <a:p>
             <a:pPr algn="r"/>
             <a:r>
+              <a:rPr lang="en-US" sz="900"/>
+              <a:t>175 </a:t>
+            </a:r>
+            <a:r>
               <a:rPr lang="en-US" sz="900" dirty="0"/>
-              <a:t>250 Tb    /work/scratch-</a:t>
+              <a:t>Tb    /work/scratch-</a:t>
             </a:r>
             <a:r>
               <a:rPr lang="en-US" sz="900" dirty="0" err="1"/>

--- a/presentations/jasmin-workshop-overview.pptx
+++ b/presentations/jasmin-workshop-overview.pptx
@@ -217,7 +217,7 @@
           <a:p>
             <a:fld id="{0A05A54A-7050-AA43-B296-91EBEA7AE3FC}" type="datetimeFigureOut">
               <a:rPr lang="en-US" smtClean="0"/>
-              <a:t>7/2/19</a:t>
+              <a:t>7/10/19</a:t>
             </a:fld>
             <a:endParaRPr lang="en-US"/>
           </a:p>
@@ -1189,7 +1189,7 @@
             <a:fld id="{646265C4-D3EB-4033-9F2F-7AE1FCA20C43}" type="datetimeFigureOut">
               <a:rPr lang="en-GB" smtClean="0"/>
               <a:pPr/>
-              <a:t>02/07/2019</a:t>
+              <a:t>10/07/2019</a:t>
             </a:fld>
             <a:endParaRPr lang="en-GB" dirty="0"/>
           </a:p>
@@ -1479,7 +1479,7 @@
             <a:fld id="{646265C4-D3EB-4033-9F2F-7AE1FCA20C43}" type="datetimeFigureOut">
               <a:rPr lang="en-GB" smtClean="0"/>
               <a:pPr/>
-              <a:t>02/07/2019</a:t>
+              <a:t>10/07/2019</a:t>
             </a:fld>
             <a:endParaRPr lang="en-GB" dirty="0"/>
           </a:p>
@@ -1718,7 +1718,7 @@
             <a:fld id="{646265C4-D3EB-4033-9F2F-7AE1FCA20C43}" type="datetimeFigureOut">
               <a:rPr lang="en-GB" smtClean="0"/>
               <a:pPr/>
-              <a:t>02/07/2019</a:t>
+              <a:t>10/07/2019</a:t>
             </a:fld>
             <a:endParaRPr lang="en-GB" dirty="0"/>
           </a:p>
@@ -25646,7 +25646,7 @@
           <p:nvPr>
             <p:extLst>
               <p:ext uri="{D42A27DB-BD31-4B8C-83A1-F6EECF244321}">
-                <p14:modId xmlns:p14="http://schemas.microsoft.com/office/powerpoint/2010/main" val="2618333816"/>
+                <p14:modId xmlns:p14="http://schemas.microsoft.com/office/powerpoint/2010/main" val="2718255712"/>
               </p:ext>
             </p:extLst>
           </p:nvPr>
@@ -26277,14 +26277,20 @@
                         <a:defRPr/>
                       </a:pPr>
                       <a:r>
-                        <a:rPr lang="en-US" sz="1400" dirty="0">
+                        <a:rPr lang="en-US" sz="1400">
                           <a:solidFill>
-                            <a:srgbClr val="00B050"/>
+                            <a:srgbClr val="FF0000"/>
                           </a:solidFill>
                           <a:latin typeface="Webdings" pitchFamily="2" charset="2"/>
                         </a:rPr>
-                        <a:t>a</a:t>
+                        <a:t>r</a:t>
                       </a:r>
+                      <a:endParaRPr lang="en-US" sz="1400" dirty="0">
+                        <a:solidFill>
+                          <a:srgbClr val="00B050"/>
+                        </a:solidFill>
+                        <a:latin typeface="Webdings" pitchFamily="2" charset="2"/>
+                      </a:endParaRPr>
                     </a:p>
                   </a:txBody>
                   <a:tcPr marL="68580" marR="68580" marT="34290" marB="34290"/>

--- a/presentations/jasmin-workshop-overview.pptx
+++ b/presentations/jasmin-workshop-overview.pptx
@@ -217,7 +217,7 @@
           <a:p>
             <a:fld id="{0A05A54A-7050-AA43-B296-91EBEA7AE3FC}" type="datetimeFigureOut">
               <a:rPr lang="en-US" smtClean="0"/>
-              <a:t>7/10/19</a:t>
+              <a:t>10/1/19</a:t>
             </a:fld>
             <a:endParaRPr lang="en-US"/>
           </a:p>
@@ -1189,7 +1189,7 @@
             <a:fld id="{646265C4-D3EB-4033-9F2F-7AE1FCA20C43}" type="datetimeFigureOut">
               <a:rPr lang="en-GB" smtClean="0"/>
               <a:pPr/>
-              <a:t>10/07/2019</a:t>
+              <a:t>01/10/2019</a:t>
             </a:fld>
             <a:endParaRPr lang="en-GB" dirty="0"/>
           </a:p>
@@ -1479,7 +1479,7 @@
             <a:fld id="{646265C4-D3EB-4033-9F2F-7AE1FCA20C43}" type="datetimeFigureOut">
               <a:rPr lang="en-GB" smtClean="0"/>
               <a:pPr/>
-              <a:t>10/07/2019</a:t>
+              <a:t>01/10/2019</a:t>
             </a:fld>
             <a:endParaRPr lang="en-GB" dirty="0"/>
           </a:p>
@@ -1718,7 +1718,7 @@
             <a:fld id="{646265C4-D3EB-4033-9F2F-7AE1FCA20C43}" type="datetimeFigureOut">
               <a:rPr lang="en-GB" smtClean="0"/>
               <a:pPr/>
-              <a:t>10/07/2019</a:t>
+              <a:t>01/10/2019</a:t>
             </a:fld>
             <a:endParaRPr lang="en-GB" dirty="0"/>
           </a:p>
@@ -6205,12 +6205,8 @@
           <a:lstStyle/>
           <a:p>
             <a:r>
-              <a:rPr lang="en-US" sz="1350" dirty="0" err="1"/>
-              <a:t>jwcrp</a:t>
-            </a:r>
-            <a:r>
               <a:rPr lang="en-US" sz="1350" dirty="0"/>
-              <a:t> </a:t>
+              <a:t>&lt;name&gt; </a:t>
             </a:r>
           </a:p>
         </p:txBody>
@@ -6265,12 +6261,16 @@
           <a:lstStyle/>
           <a:p>
             <a:r>
+              <a:rPr lang="en-US" sz="1350" dirty="0"/>
+              <a:t>&lt;</a:t>
+            </a:r>
+            <a:r>
               <a:rPr lang="en-US" sz="1350" dirty="0" err="1"/>
-              <a:t>eoclim</a:t>
+              <a:t>comm</a:t>
             </a:r>
             <a:r>
               <a:rPr lang="en-US" sz="1350" dirty="0"/>
-              <a:t> </a:t>
+              <a:t>&gt; </a:t>
             </a:r>
           </a:p>
         </p:txBody>
@@ -6326,7 +6326,7 @@
           <a:p>
             <a:r>
               <a:rPr lang="en-US" sz="1350" dirty="0" err="1"/>
-              <a:t>atpolsci</a:t>
+              <a:t>ncas</a:t>
             </a:r>
             <a:r>
               <a:rPr lang="en-US" sz="1350" dirty="0"/>
@@ -6559,7 +6559,7 @@
                   <a:srgbClr val="FF0000"/>
                 </a:solidFill>
               </a:rPr>
-              <a:t>Coming soon</a:t>
+              <a:t>New</a:t>
             </a:r>
           </a:p>
           <a:p>
@@ -7745,7 +7745,7 @@
           <a:p>
             <a:r>
               <a:rPr lang="en-US" dirty="0"/>
-              <a:t>JASMIN users organized into consortia representing main science domains</a:t>
+              <a:t>JASMIN users organized into communities able to supply a manager</a:t>
             </a:r>
           </a:p>
           <a:p>
@@ -13875,7 +13875,7 @@
         <p:spPr/>
         <p:txBody>
           <a:bodyPr>
-            <a:normAutofit fontScale="85000" lnSpcReduction="20000"/>
+            <a:normAutofit fontScale="77500" lnSpcReduction="20000"/>
           </a:bodyPr>
           <a:lstStyle/>
           <a:p>
@@ -13942,12 +13942,10 @@
           <a:p>
             <a:pPr marL="1028700" lvl="1" indent="-342900"/>
             <a:r>
-              <a:rPr lang="en-GB" dirty="0"/>
-              <a:t>@</a:t>
-            </a:r>
-            <a:r>
-              <a:rPr lang="en-GB" dirty="0" err="1"/>
-              <a:t>cedanews</a:t>
+              <a:rPr lang="en-GB" dirty="0">
+                <a:hlinkClick r:id="rId5"/>
+              </a:rPr>
+              <a:t>@cedanews</a:t>
             </a:r>
             <a:r>
               <a:rPr lang="en-GB" dirty="0"/>
@@ -13982,7 +13980,7 @@
             <a:pPr marL="1028700" lvl="1" indent="-342900"/>
             <a:r>
               <a:rPr lang="en-GB" dirty="0">
-                <a:hlinkClick r:id="rId5"/>
+                <a:hlinkClick r:id="rId6"/>
               </a:rPr>
               <a:t>support@ceda.ac.uk</a:t>
             </a:r>
@@ -14001,6 +13999,16 @@
               <a:rPr lang="en-GB" dirty="0"/>
               <a:t>SCD team looks after the infrastructure</a:t>
             </a:r>
+          </a:p>
+          <a:p>
+            <a:pPr marL="1028700" lvl="1" indent="-342900"/>
+            <a:r>
+              <a:rPr lang="en-GB" dirty="0">
+                <a:hlinkClick r:id="rId7"/>
+              </a:rPr>
+              <a:t>Template for support queries</a:t>
+            </a:r>
+            <a:endParaRPr lang="en-GB" dirty="0"/>
           </a:p>
         </p:txBody>
       </p:sp>
@@ -14081,7 +14089,7 @@
         <p:spPr/>
         <p:txBody>
           <a:bodyPr>
-            <a:normAutofit lnSpcReduction="10000"/>
+            <a:normAutofit fontScale="92500" lnSpcReduction="10000"/>
           </a:bodyPr>
           <a:lstStyle/>
           <a:p>
@@ -14120,6 +14128,13 @@
             <a:r>
               <a:rPr lang="en-GB" dirty="0"/>
               <a:t>Relies on you being sensible</a:t>
+            </a:r>
+          </a:p>
+          <a:p>
+            <a:pPr marL="1485900" lvl="2" indent="-342900"/>
+            <a:r>
+              <a:rPr lang="en-GB" dirty="0"/>
+              <a:t>You need to know what you’re doing</a:t>
             </a:r>
           </a:p>
           <a:p>
@@ -25646,7 +25661,7 @@
           <p:nvPr>
             <p:extLst>
               <p:ext uri="{D42A27DB-BD31-4B8C-83A1-F6EECF244321}">
-                <p14:modId xmlns:p14="http://schemas.microsoft.com/office/powerpoint/2010/main" val="2718255712"/>
+                <p14:modId xmlns:p14="http://schemas.microsoft.com/office/powerpoint/2010/main" val="3062890131"/>
               </p:ext>
             </p:extLst>
           </p:nvPr>
@@ -26044,6 +26059,50 @@
                         </a:rPr>
                         <a:t>&gt;</a:t>
                       </a:r>
+                    </a:p>
+                    <a:p>
+                      <a:r>
+                        <a:rPr lang="en-GB" sz="1400" kern="1200" dirty="0">
+                          <a:effectLst/>
+                        </a:rPr>
+                        <a:t>/</a:t>
+                      </a:r>
+                      <a:r>
+                        <a:rPr lang="en-GB" sz="1400" kern="1200" dirty="0" err="1">
+                          <a:effectLst/>
+                        </a:rPr>
+                        <a:t>gws</a:t>
+                      </a:r>
+                      <a:r>
+                        <a:rPr lang="en-GB" sz="1400" kern="1200" dirty="0">
+                          <a:effectLst/>
+                        </a:rPr>
+                        <a:t>/</a:t>
+                      </a:r>
+                      <a:r>
+                        <a:rPr lang="en-GB" sz="1400" kern="1200" dirty="0" err="1">
+                          <a:effectLst/>
+                        </a:rPr>
+                        <a:t>smf</a:t>
+                      </a:r>
+                      <a:r>
+                        <a:rPr lang="en-GB" sz="1400" kern="1200" dirty="0">
+                          <a:effectLst/>
+                        </a:rPr>
+                        <a:t>/j04/&lt;</a:t>
+                      </a:r>
+                      <a:r>
+                        <a:rPr lang="en-GB" sz="1400" kern="1200" dirty="0" err="1">
+                          <a:effectLst/>
+                        </a:rPr>
+                        <a:t>gwsname</a:t>
+                      </a:r>
+                      <a:r>
+                        <a:rPr lang="en-GB" sz="1400" kern="1200" dirty="0">
+                          <a:effectLst/>
+                        </a:rPr>
+                        <a:t>&gt;</a:t>
+                      </a:r>
                       <a:endParaRPr lang="en-US" sz="1400" dirty="0"/>
                     </a:p>
                   </a:txBody>
@@ -26085,6 +26144,36 @@
                         </a:rPr>
                         <a:t>r</a:t>
                       </a:r>
+                    </a:p>
+                    <a:p>
+                      <a:pPr marL="0" marR="0" lvl="0" indent="0" algn="l" defTabSz="914400" rtl="0" eaLnBrk="1" fontAlgn="auto" latinLnBrk="0" hangingPunct="1">
+                        <a:lnSpc>
+                          <a:spcPct val="100000"/>
+                        </a:lnSpc>
+                        <a:spcBef>
+                          <a:spcPts val="0"/>
+                        </a:spcBef>
+                        <a:spcAft>
+                          <a:spcPts val="0"/>
+                        </a:spcAft>
+                        <a:buClrTx/>
+                        <a:buSzTx/>
+                        <a:buFontTx/>
+                        <a:buNone/>
+                        <a:tabLst/>
+                        <a:defRPr/>
+                      </a:pPr>
+                      <a:r>
+                        <a:rPr lang="en-US" sz="1400" dirty="0">
+                          <a:solidFill>
+                            <a:srgbClr val="FF0000"/>
+                          </a:solidFill>
+                          <a:latin typeface="Webdings" pitchFamily="2" charset="2"/>
+                        </a:rPr>
+                        <a:t>r</a:t>
+                      </a:r>
+                    </a:p>
+                    <a:p>
                       <a:endParaRPr lang="en-US" sz="1400" dirty="0"/>
                     </a:p>
                   </a:txBody>
@@ -26115,6 +26204,35 @@
                         </a:rPr>
                         <a:t>a</a:t>
                       </a:r>
+                    </a:p>
+                    <a:p>
+                      <a:pPr marL="0" marR="0" lvl="0" indent="0" algn="l" defTabSz="914400" rtl="0" eaLnBrk="1" fontAlgn="auto" latinLnBrk="0" hangingPunct="1">
+                        <a:lnSpc>
+                          <a:spcPct val="100000"/>
+                        </a:lnSpc>
+                        <a:spcBef>
+                          <a:spcPts val="0"/>
+                        </a:spcBef>
+                        <a:spcAft>
+                          <a:spcPts val="0"/>
+                        </a:spcAft>
+                        <a:buClrTx/>
+                        <a:buSzTx/>
+                        <a:buFontTx/>
+                        <a:buNone/>
+                        <a:tabLst/>
+                        <a:defRPr/>
+                      </a:pPr>
+                      <a:r>
+                        <a:rPr lang="en-US" sz="1400" dirty="0">
+                          <a:solidFill>
+                            <a:srgbClr val="00B050"/>
+                          </a:solidFill>
+                          <a:latin typeface="Webdings" pitchFamily="2" charset="2"/>
+                        </a:rPr>
+                        <a:t>a</a:t>
+                      </a:r>
+                      <a:endParaRPr lang="en-US" sz="1400" dirty="0"/>
                     </a:p>
                     <a:p>
                       <a:r>
@@ -26158,6 +26276,23 @@
                       </a:r>
                     </a:p>
                     <a:p>
+                      <a:pPr marL="0" marR="0" lvl="0" indent="0" algn="l" defTabSz="914400" rtl="0" eaLnBrk="1" fontAlgn="auto" latinLnBrk="0" hangingPunct="1">
+                        <a:lnSpc>
+                          <a:spcPct val="100000"/>
+                        </a:lnSpc>
+                        <a:spcBef>
+                          <a:spcPts val="0"/>
+                        </a:spcBef>
+                        <a:spcAft>
+                          <a:spcPts val="0"/>
+                        </a:spcAft>
+                        <a:buClrTx/>
+                        <a:buSzTx/>
+                        <a:buFontTx/>
+                        <a:buNone/>
+                        <a:tabLst/>
+                        <a:defRPr/>
+                      </a:pPr>
                       <a:r>
                         <a:rPr lang="en-US" sz="1400" dirty="0">
                           <a:solidFill>
@@ -26167,6 +26302,37 @@
                         </a:rPr>
                         <a:t>a</a:t>
                       </a:r>
+                    </a:p>
+                    <a:p>
+                      <a:pPr marL="0" marR="0" lvl="0" indent="0" algn="l" defTabSz="914400" rtl="0" eaLnBrk="1" fontAlgn="auto" latinLnBrk="0" hangingPunct="1">
+                        <a:lnSpc>
+                          <a:spcPct val="100000"/>
+                        </a:lnSpc>
+                        <a:spcBef>
+                          <a:spcPts val="0"/>
+                        </a:spcBef>
+                        <a:spcAft>
+                          <a:spcPts val="0"/>
+                        </a:spcAft>
+                        <a:buClrTx/>
+                        <a:buSzTx/>
+                        <a:buFontTx/>
+                        <a:buNone/>
+                        <a:tabLst/>
+                        <a:defRPr/>
+                      </a:pPr>
+                      <a:r>
+                        <a:rPr lang="en-US" sz="1400" dirty="0">
+                          <a:solidFill>
+                            <a:srgbClr val="00B050"/>
+                          </a:solidFill>
+                          <a:latin typeface="Webdings" pitchFamily="2" charset="2"/>
+                        </a:rPr>
+                        <a:t>a</a:t>
+                      </a:r>
+                      <a:endParaRPr lang="en-US" sz="1400" dirty="0"/>
+                    </a:p>
+                    <a:p>
                       <a:endParaRPr lang="en-US" sz="1400" dirty="0"/>
                     </a:p>
                   </a:txBody>
@@ -26208,6 +26374,37 @@
                         </a:rPr>
                         <a:t>a</a:t>
                       </a:r>
+                    </a:p>
+                    <a:p>
+                      <a:pPr marL="0" marR="0" lvl="0" indent="0" algn="l" defTabSz="914400" rtl="0" eaLnBrk="1" fontAlgn="auto" latinLnBrk="0" hangingPunct="1">
+                        <a:lnSpc>
+                          <a:spcPct val="100000"/>
+                        </a:lnSpc>
+                        <a:spcBef>
+                          <a:spcPts val="0"/>
+                        </a:spcBef>
+                        <a:spcAft>
+                          <a:spcPts val="0"/>
+                        </a:spcAft>
+                        <a:buClrTx/>
+                        <a:buSzTx/>
+                        <a:buFontTx/>
+                        <a:buNone/>
+                        <a:tabLst/>
+                        <a:defRPr/>
+                      </a:pPr>
+                      <a:r>
+                        <a:rPr lang="en-US" sz="1400" dirty="0">
+                          <a:solidFill>
+                            <a:srgbClr val="00B050"/>
+                          </a:solidFill>
+                          <a:latin typeface="Webdings" pitchFamily="2" charset="2"/>
+                        </a:rPr>
+                        <a:t>a</a:t>
+                      </a:r>
+                      <a:endParaRPr lang="en-US" sz="1400" dirty="0"/>
+                    </a:p>
+                    <a:p>
                       <a:endParaRPr lang="en-US" sz="1400" dirty="0"/>
                     </a:p>
                   </a:txBody>
@@ -26277,7 +26474,7 @@
                         <a:defRPr/>
                       </a:pPr>
                       <a:r>
-                        <a:rPr lang="en-US" sz="1400">
+                        <a:rPr lang="en-US" sz="1400" dirty="0">
                           <a:solidFill>
                             <a:srgbClr val="FF0000"/>
                           </a:solidFill>
